--- a/image/correlation/界面.pptx
+++ b/image/correlation/界面.pptx
@@ -289,7 +289,7 @@
           <a:p>
             <a:fld id="{530820CF-B880-4189-942D-D702A7CBA730}" type="datetimeFigureOut">
               <a:rPr lang="zh-CN" altLang="en-US" smtClean="0"/>
-              <a:t>2021/10/13</a:t>
+              <a:t>2021/12/21</a:t>
             </a:fld>
             <a:endParaRPr lang="zh-CN" altLang="en-US"/>
           </a:p>
@@ -454,7 +454,7 @@
           <a:p>
             <a:fld id="{530820CF-B880-4189-942D-D702A7CBA730}" type="datetimeFigureOut">
               <a:rPr lang="zh-CN" altLang="en-US" smtClean="0"/>
-              <a:t>2021/10/13</a:t>
+              <a:t>2021/12/21</a:t>
             </a:fld>
             <a:endParaRPr lang="zh-CN" altLang="en-US"/>
           </a:p>
@@ -629,7 +629,7 @@
           <a:p>
             <a:fld id="{530820CF-B880-4189-942D-D702A7CBA730}" type="datetimeFigureOut">
               <a:rPr lang="zh-CN" altLang="en-US" smtClean="0"/>
-              <a:t>2021/10/13</a:t>
+              <a:t>2021/12/21</a:t>
             </a:fld>
             <a:endParaRPr lang="zh-CN" altLang="en-US"/>
           </a:p>
@@ -794,7 +794,7 @@
           <a:p>
             <a:fld id="{530820CF-B880-4189-942D-D702A7CBA730}" type="datetimeFigureOut">
               <a:rPr lang="zh-CN" altLang="en-US" smtClean="0"/>
-              <a:t>2021/10/13</a:t>
+              <a:t>2021/12/21</a:t>
             </a:fld>
             <a:endParaRPr lang="zh-CN" altLang="en-US"/>
           </a:p>
@@ -1035,7 +1035,7 @@
           <a:p>
             <a:fld id="{530820CF-B880-4189-942D-D702A7CBA730}" type="datetimeFigureOut">
               <a:rPr lang="zh-CN" altLang="en-US" smtClean="0"/>
-              <a:t>2021/10/13</a:t>
+              <a:t>2021/12/21</a:t>
             </a:fld>
             <a:endParaRPr lang="zh-CN" altLang="en-US"/>
           </a:p>
@@ -1318,7 +1318,7 @@
           <a:p>
             <a:fld id="{530820CF-B880-4189-942D-D702A7CBA730}" type="datetimeFigureOut">
               <a:rPr lang="zh-CN" altLang="en-US" smtClean="0"/>
-              <a:t>2021/10/13</a:t>
+              <a:t>2021/12/21</a:t>
             </a:fld>
             <a:endParaRPr lang="zh-CN" altLang="en-US"/>
           </a:p>
@@ -1735,7 +1735,7 @@
           <a:p>
             <a:fld id="{530820CF-B880-4189-942D-D702A7CBA730}" type="datetimeFigureOut">
               <a:rPr lang="zh-CN" altLang="en-US" smtClean="0"/>
-              <a:t>2021/10/13</a:t>
+              <a:t>2021/12/21</a:t>
             </a:fld>
             <a:endParaRPr lang="zh-CN" altLang="en-US"/>
           </a:p>
@@ -1848,7 +1848,7 @@
           <a:p>
             <a:fld id="{530820CF-B880-4189-942D-D702A7CBA730}" type="datetimeFigureOut">
               <a:rPr lang="zh-CN" altLang="en-US" smtClean="0"/>
-              <a:t>2021/10/13</a:t>
+              <a:t>2021/12/21</a:t>
             </a:fld>
             <a:endParaRPr lang="zh-CN" altLang="en-US"/>
           </a:p>
@@ -1938,7 +1938,7 @@
           <a:p>
             <a:fld id="{530820CF-B880-4189-942D-D702A7CBA730}" type="datetimeFigureOut">
               <a:rPr lang="zh-CN" altLang="en-US" smtClean="0"/>
-              <a:t>2021/10/13</a:t>
+              <a:t>2021/12/21</a:t>
             </a:fld>
             <a:endParaRPr lang="zh-CN" altLang="en-US"/>
           </a:p>
@@ -2210,7 +2210,7 @@
           <a:p>
             <a:fld id="{530820CF-B880-4189-942D-D702A7CBA730}" type="datetimeFigureOut">
               <a:rPr lang="zh-CN" altLang="en-US" smtClean="0"/>
-              <a:t>2021/10/13</a:t>
+              <a:t>2021/12/21</a:t>
             </a:fld>
             <a:endParaRPr lang="zh-CN" altLang="en-US"/>
           </a:p>
@@ -2458,7 +2458,7 @@
           <a:p>
             <a:fld id="{530820CF-B880-4189-942D-D702A7CBA730}" type="datetimeFigureOut">
               <a:rPr lang="zh-CN" altLang="en-US" smtClean="0"/>
-              <a:t>2021/10/13</a:t>
+              <a:t>2021/12/21</a:t>
             </a:fld>
             <a:endParaRPr lang="zh-CN" altLang="en-US"/>
           </a:p>
@@ -2666,7 +2666,7 @@
           <a:p>
             <a:fld id="{530820CF-B880-4189-942D-D702A7CBA730}" type="datetimeFigureOut">
               <a:rPr lang="zh-CN" altLang="en-US" smtClean="0"/>
-              <a:t>2021/10/13</a:t>
+              <a:t>2021/12/21</a:t>
             </a:fld>
             <a:endParaRPr lang="zh-CN" altLang="en-US"/>
           </a:p>
@@ -3038,7 +3038,7 @@
       </p:grpSpPr>
       <p:pic>
         <p:nvPicPr>
-          <p:cNvPr id="3" name="图片 2"/>
+          <p:cNvPr id="5" name="图片 4"/>
           <p:cNvPicPr>
             <a:picLocks noChangeAspect="1"/>
           </p:cNvPicPr>
@@ -3058,8 +3058,8 @@
         </p:blipFill>
         <p:spPr>
           <a:xfrm>
-            <a:off x="2435741" y="1014716"/>
-            <a:ext cx="2616334" cy="2394073"/>
+            <a:off x="2438916" y="908720"/>
+            <a:ext cx="2609984" cy="3111660"/>
           </a:xfrm>
           <a:prstGeom prst="rect">
             <a:avLst/>
@@ -3182,15 +3182,7 @@
                   <a:srgbClr val="FF0000"/>
                 </a:solidFill>
               </a:rPr>
-              <a:t>输入变量的</a:t>
-            </a:r>
-            <a:r>
-              <a:rPr lang="zh-CN" altLang="en-US" sz="1200" dirty="0" smtClean="0">
-                <a:solidFill>
-                  <a:srgbClr val="FF0000"/>
-                </a:solidFill>
-              </a:rPr>
-              <a:t>列</a:t>
+              <a:t>输入变量的列</a:t>
             </a:r>
             <a:r>
               <a:rPr lang="zh-CN" altLang="en-US" sz="1200" dirty="0">
@@ -3297,6 +3289,85 @@
               <a:t>界面介绍</a:t>
             </a:r>
             <a:endParaRPr lang="zh-CN" altLang="en-US" sz="2800" b="1" dirty="0">
+              <a:solidFill>
+                <a:srgbClr val="FF0000"/>
+              </a:solidFill>
+            </a:endParaRPr>
+          </a:p>
+        </p:txBody>
+      </p:sp>
+      <p:sp>
+        <p:nvSpPr>
+          <p:cNvPr id="9" name="线形标注 1 8"/>
+          <p:cNvSpPr/>
+          <p:nvPr/>
+        </p:nvSpPr>
+        <p:spPr>
+          <a:xfrm>
+            <a:off x="1252944" y="3429000"/>
+            <a:ext cx="1097340" cy="432048"/>
+          </a:xfrm>
+          <a:prstGeom prst="borderCallout1">
+            <a:avLst>
+              <a:gd name="adj1" fmla="val 50496"/>
+              <a:gd name="adj2" fmla="val 100338"/>
+              <a:gd name="adj3" fmla="val 53187"/>
+              <a:gd name="adj4" fmla="val 132572"/>
+            </a:avLst>
+          </a:prstGeom>
+          <a:noFill/>
+          <a:ln>
+            <a:solidFill>
+              <a:srgbClr val="FF0000"/>
+            </a:solidFill>
+          </a:ln>
+        </p:spPr>
+        <p:style>
+          <a:lnRef idx="2">
+            <a:schemeClr val="accent1">
+              <a:shade val="50000"/>
+            </a:schemeClr>
+          </a:lnRef>
+          <a:fillRef idx="1">
+            <a:schemeClr val="accent1"/>
+          </a:fillRef>
+          <a:effectRef idx="0">
+            <a:schemeClr val="accent1"/>
+          </a:effectRef>
+          <a:fontRef idx="minor">
+            <a:schemeClr val="lt1"/>
+          </a:fontRef>
+        </p:style>
+        <p:txBody>
+          <a:bodyPr rtlCol="0" anchor="ctr"/>
+          <a:lstStyle/>
+          <a:p>
+            <a:pPr algn="ctr"/>
+            <a:r>
+              <a:rPr lang="zh-CN" altLang="en-US" sz="1200" dirty="0" smtClean="0">
+                <a:solidFill>
+                  <a:srgbClr val="FF0000"/>
+                </a:solidFill>
+              </a:rPr>
+              <a:t>点击下载</a:t>
+            </a:r>
+            <a:r>
+              <a:rPr lang="en-US" altLang="zh-CN" sz="1200" dirty="0" smtClean="0">
+                <a:solidFill>
+                  <a:srgbClr val="FF0000"/>
+                </a:solidFill>
+              </a:rPr>
+              <a:t>PDF</a:t>
+            </a:r>
+            <a:r>
+              <a:rPr lang="zh-CN" altLang="en-US" sz="1200" dirty="0" smtClean="0">
+                <a:solidFill>
+                  <a:srgbClr val="FF0000"/>
+                </a:solidFill>
+              </a:rPr>
+              <a:t>图片</a:t>
+            </a:r>
+            <a:endParaRPr lang="zh-CN" altLang="en-US" sz="1200" dirty="0">
               <a:solidFill>
                 <a:srgbClr val="FF0000"/>
               </a:solidFill>
@@ -3520,11 +3591,6 @@
               </a:rPr>
               <a:t>相关系数</a:t>
             </a:r>
-            <a:endParaRPr lang="zh-CN" altLang="en-US" sz="1200" dirty="0">
-              <a:solidFill>
-                <a:srgbClr val="FF0000"/>
-              </a:solidFill>
-            </a:endParaRPr>
           </a:p>
         </p:txBody>
       </p:sp>

--- a/image/correlation/界面.pptx
+++ b/image/correlation/界面.pptx
@@ -289,7 +289,7 @@
           <a:p>
             <a:fld id="{530820CF-B880-4189-942D-D702A7CBA730}" type="datetimeFigureOut">
               <a:rPr lang="zh-CN" altLang="en-US" smtClean="0"/>
-              <a:t>2021/12/21</a:t>
+              <a:t>2021/12/26</a:t>
             </a:fld>
             <a:endParaRPr lang="zh-CN" altLang="en-US"/>
           </a:p>
@@ -454,7 +454,7 @@
           <a:p>
             <a:fld id="{530820CF-B880-4189-942D-D702A7CBA730}" type="datetimeFigureOut">
               <a:rPr lang="zh-CN" altLang="en-US" smtClean="0"/>
-              <a:t>2021/12/21</a:t>
+              <a:t>2021/12/26</a:t>
             </a:fld>
             <a:endParaRPr lang="zh-CN" altLang="en-US"/>
           </a:p>
@@ -629,7 +629,7 @@
           <a:p>
             <a:fld id="{530820CF-B880-4189-942D-D702A7CBA730}" type="datetimeFigureOut">
               <a:rPr lang="zh-CN" altLang="en-US" smtClean="0"/>
-              <a:t>2021/12/21</a:t>
+              <a:t>2021/12/26</a:t>
             </a:fld>
             <a:endParaRPr lang="zh-CN" altLang="en-US"/>
           </a:p>
@@ -794,7 +794,7 @@
           <a:p>
             <a:fld id="{530820CF-B880-4189-942D-D702A7CBA730}" type="datetimeFigureOut">
               <a:rPr lang="zh-CN" altLang="en-US" smtClean="0"/>
-              <a:t>2021/12/21</a:t>
+              <a:t>2021/12/26</a:t>
             </a:fld>
             <a:endParaRPr lang="zh-CN" altLang="en-US"/>
           </a:p>
@@ -1035,7 +1035,7 @@
           <a:p>
             <a:fld id="{530820CF-B880-4189-942D-D702A7CBA730}" type="datetimeFigureOut">
               <a:rPr lang="zh-CN" altLang="en-US" smtClean="0"/>
-              <a:t>2021/12/21</a:t>
+              <a:t>2021/12/26</a:t>
             </a:fld>
             <a:endParaRPr lang="zh-CN" altLang="en-US"/>
           </a:p>
@@ -1318,7 +1318,7 @@
           <a:p>
             <a:fld id="{530820CF-B880-4189-942D-D702A7CBA730}" type="datetimeFigureOut">
               <a:rPr lang="zh-CN" altLang="en-US" smtClean="0"/>
-              <a:t>2021/12/21</a:t>
+              <a:t>2021/12/26</a:t>
             </a:fld>
             <a:endParaRPr lang="zh-CN" altLang="en-US"/>
           </a:p>
@@ -1735,7 +1735,7 @@
           <a:p>
             <a:fld id="{530820CF-B880-4189-942D-D702A7CBA730}" type="datetimeFigureOut">
               <a:rPr lang="zh-CN" altLang="en-US" smtClean="0"/>
-              <a:t>2021/12/21</a:t>
+              <a:t>2021/12/26</a:t>
             </a:fld>
             <a:endParaRPr lang="zh-CN" altLang="en-US"/>
           </a:p>
@@ -1848,7 +1848,7 @@
           <a:p>
             <a:fld id="{530820CF-B880-4189-942D-D702A7CBA730}" type="datetimeFigureOut">
               <a:rPr lang="zh-CN" altLang="en-US" smtClean="0"/>
-              <a:t>2021/12/21</a:t>
+              <a:t>2021/12/26</a:t>
             </a:fld>
             <a:endParaRPr lang="zh-CN" altLang="en-US"/>
           </a:p>
@@ -1938,7 +1938,7 @@
           <a:p>
             <a:fld id="{530820CF-B880-4189-942D-D702A7CBA730}" type="datetimeFigureOut">
               <a:rPr lang="zh-CN" altLang="en-US" smtClean="0"/>
-              <a:t>2021/12/21</a:t>
+              <a:t>2021/12/26</a:t>
             </a:fld>
             <a:endParaRPr lang="zh-CN" altLang="en-US"/>
           </a:p>
@@ -2210,7 +2210,7 @@
           <a:p>
             <a:fld id="{530820CF-B880-4189-942D-D702A7CBA730}" type="datetimeFigureOut">
               <a:rPr lang="zh-CN" altLang="en-US" smtClean="0"/>
-              <a:t>2021/12/21</a:t>
+              <a:t>2021/12/26</a:t>
             </a:fld>
             <a:endParaRPr lang="zh-CN" altLang="en-US"/>
           </a:p>
@@ -2458,7 +2458,7 @@
           <a:p>
             <a:fld id="{530820CF-B880-4189-942D-D702A7CBA730}" type="datetimeFigureOut">
               <a:rPr lang="zh-CN" altLang="en-US" smtClean="0"/>
-              <a:t>2021/12/21</a:t>
+              <a:t>2021/12/26</a:t>
             </a:fld>
             <a:endParaRPr lang="zh-CN" altLang="en-US"/>
           </a:p>
@@ -2666,7 +2666,7 @@
           <a:p>
             <a:fld id="{530820CF-B880-4189-942D-D702A7CBA730}" type="datetimeFigureOut">
               <a:rPr lang="zh-CN" altLang="en-US" smtClean="0"/>
-              <a:t>2021/12/21</a:t>
+              <a:t>2021/12/26</a:t>
             </a:fld>
             <a:endParaRPr lang="zh-CN" altLang="en-US"/>
           </a:p>
@@ -3038,7 +3038,7 @@
       </p:grpSpPr>
       <p:pic>
         <p:nvPicPr>
-          <p:cNvPr id="5" name="图片 4"/>
+          <p:cNvPr id="3" name="图片 2"/>
           <p:cNvPicPr>
             <a:picLocks noChangeAspect="1"/>
           </p:cNvPicPr>
@@ -3058,8 +3058,8 @@
         </p:blipFill>
         <p:spPr>
           <a:xfrm>
-            <a:off x="2438916" y="908720"/>
-            <a:ext cx="2609984" cy="3111660"/>
+            <a:off x="3131840" y="1908209"/>
+            <a:ext cx="2876698" cy="3473629"/>
           </a:xfrm>
           <a:prstGeom prst="rect">
             <a:avLst/>
@@ -3068,21 +3068,59 @@
       </p:pic>
       <p:sp>
         <p:nvSpPr>
-          <p:cNvPr id="7" name="线形标注 1 6"/>
+          <p:cNvPr id="2" name="TextBox 1"/>
+          <p:cNvSpPr txBox="1"/>
+          <p:nvPr/>
+        </p:nvSpPr>
+        <p:spPr>
+          <a:xfrm>
+            <a:off x="2733985" y="908720"/>
+            <a:ext cx="3672408" cy="523220"/>
+          </a:xfrm>
+          <a:prstGeom prst="rect">
+            <a:avLst/>
+          </a:prstGeom>
+          <a:noFill/>
+        </p:spPr>
+        <p:txBody>
+          <a:bodyPr wrap="square" rtlCol="0">
+            <a:spAutoFit/>
+          </a:bodyPr>
+          <a:lstStyle/>
+          <a:p>
+            <a:r>
+              <a:rPr lang="zh-CN" altLang="en-US" sz="2800" b="1" dirty="0" smtClean="0">
+                <a:solidFill>
+                  <a:srgbClr val="FF0000"/>
+                </a:solidFill>
+              </a:rPr>
+              <a:t>界面介绍</a:t>
+            </a:r>
+            <a:endParaRPr lang="zh-CN" altLang="en-US" sz="2800" b="1" dirty="0">
+              <a:solidFill>
+                <a:srgbClr val="FF0000"/>
+              </a:solidFill>
+            </a:endParaRPr>
+          </a:p>
+        </p:txBody>
+      </p:sp>
+      <p:sp>
+        <p:nvSpPr>
+          <p:cNvPr id="10" name="线形标注 1 9"/>
           <p:cNvSpPr/>
           <p:nvPr/>
         </p:nvSpPr>
         <p:spPr>
           <a:xfrm>
-            <a:off x="1331640" y="1556792"/>
-            <a:ext cx="936104" cy="288032"/>
+            <a:off x="2123728" y="2636912"/>
+            <a:ext cx="864096" cy="288032"/>
           </a:xfrm>
           <a:prstGeom prst="borderCallout1">
             <a:avLst>
-              <a:gd name="adj1" fmla="val 50496"/>
-              <a:gd name="adj2" fmla="val 100338"/>
-              <a:gd name="adj3" fmla="val 120437"/>
-              <a:gd name="adj4" fmla="val 158861"/>
+              <a:gd name="adj1" fmla="val 44544"/>
+              <a:gd name="adj2" fmla="val 98811"/>
+              <a:gd name="adj3" fmla="val 46141"/>
+              <a:gd name="adj4" fmla="val 159078"/>
             </a:avLst>
           </a:prstGeom>
           <a:noFill/>
@@ -3131,21 +3169,21 @@
       </p:sp>
       <p:sp>
         <p:nvSpPr>
-          <p:cNvPr id="11" name="线形标注 1 10"/>
+          <p:cNvPr id="12" name="线形标注 1 11"/>
           <p:cNvSpPr/>
           <p:nvPr/>
         </p:nvSpPr>
         <p:spPr>
           <a:xfrm>
-            <a:off x="1331640" y="2348880"/>
-            <a:ext cx="936104" cy="432048"/>
+            <a:off x="2123728" y="3501007"/>
+            <a:ext cx="864096" cy="288032"/>
           </a:xfrm>
           <a:prstGeom prst="borderCallout1">
             <a:avLst>
-              <a:gd name="adj1" fmla="val 50496"/>
-              <a:gd name="adj2" fmla="val 100338"/>
-              <a:gd name="adj3" fmla="val 80754"/>
-              <a:gd name="adj4" fmla="val 148482"/>
+              <a:gd name="adj1" fmla="val 44544"/>
+              <a:gd name="adj2" fmla="val 98811"/>
+              <a:gd name="adj3" fmla="val 46141"/>
+              <a:gd name="adj4" fmla="val 150260"/>
             </a:avLst>
           </a:prstGeom>
           <a:noFill/>
@@ -3182,36 +3220,33 @@
                   <a:srgbClr val="FF0000"/>
                 </a:solidFill>
               </a:rPr>
-              <a:t>输入变量的列</a:t>
-            </a:r>
-            <a:r>
-              <a:rPr lang="zh-CN" altLang="en-US" sz="1200" dirty="0">
-                <a:solidFill>
-                  <a:srgbClr val="FF0000"/>
-                </a:solidFill>
-              </a:rPr>
-              <a:t>数</a:t>
-            </a:r>
-          </a:p>
-        </p:txBody>
-      </p:sp>
-      <p:sp>
-        <p:nvSpPr>
-          <p:cNvPr id="13" name="线形标注 1 12"/>
+              <a:t>变量列数</a:t>
+            </a:r>
+            <a:endParaRPr lang="zh-CN" altLang="en-US" sz="1200" dirty="0">
+              <a:solidFill>
+                <a:srgbClr val="FF0000"/>
+              </a:solidFill>
+            </a:endParaRPr>
+          </a:p>
+        </p:txBody>
+      </p:sp>
+      <p:sp>
+        <p:nvSpPr>
+          <p:cNvPr id="17" name="线形标注 1 16"/>
           <p:cNvSpPr/>
           <p:nvPr/>
         </p:nvSpPr>
         <p:spPr>
           <a:xfrm>
-            <a:off x="1242412" y="2924944"/>
-            <a:ext cx="1097340" cy="288032"/>
+            <a:off x="1990287" y="3861048"/>
+            <a:ext cx="1141553" cy="288032"/>
           </a:xfrm>
           <a:prstGeom prst="borderCallout1">
             <a:avLst>
-              <a:gd name="adj1" fmla="val 50496"/>
-              <a:gd name="adj2" fmla="val 100338"/>
-              <a:gd name="adj3" fmla="val 54960"/>
-              <a:gd name="adj4" fmla="val 132572"/>
+              <a:gd name="adj1" fmla="val 44544"/>
+              <a:gd name="adj2" fmla="val 98811"/>
+              <a:gd name="adj3" fmla="val 46142"/>
+              <a:gd name="adj4" fmla="val 124961"/>
             </a:avLst>
           </a:prstGeom>
           <a:noFill/>
@@ -3260,59 +3295,21 @@
       </p:sp>
       <p:sp>
         <p:nvSpPr>
-          <p:cNvPr id="2" name="TextBox 1"/>
-          <p:cNvSpPr txBox="1"/>
+          <p:cNvPr id="18" name="线形标注 1 17"/>
+          <p:cNvSpPr/>
           <p:nvPr/>
         </p:nvSpPr>
         <p:spPr>
           <a:xfrm>
-            <a:off x="1907704" y="188640"/>
-            <a:ext cx="3672408" cy="523220"/>
-          </a:xfrm>
-          <a:prstGeom prst="rect">
-            <a:avLst/>
-          </a:prstGeom>
-          <a:noFill/>
-        </p:spPr>
-        <p:txBody>
-          <a:bodyPr wrap="square" rtlCol="0">
-            <a:spAutoFit/>
-          </a:bodyPr>
-          <a:lstStyle/>
-          <a:p>
-            <a:r>
-              <a:rPr lang="zh-CN" altLang="en-US" sz="2800" b="1" dirty="0" smtClean="0">
-                <a:solidFill>
-                  <a:srgbClr val="FF0000"/>
-                </a:solidFill>
-              </a:rPr>
-              <a:t>界面介绍</a:t>
-            </a:r>
-            <a:endParaRPr lang="zh-CN" altLang="en-US" sz="2800" b="1" dirty="0">
-              <a:solidFill>
-                <a:srgbClr val="FF0000"/>
-              </a:solidFill>
-            </a:endParaRPr>
-          </a:p>
-        </p:txBody>
-      </p:sp>
-      <p:sp>
-        <p:nvSpPr>
-          <p:cNvPr id="9" name="线形标注 1 8"/>
-          <p:cNvSpPr/>
-          <p:nvPr/>
-        </p:nvSpPr>
-        <p:spPr>
-          <a:xfrm>
-            <a:off x="1252944" y="3429000"/>
-            <a:ext cx="1097340" cy="432048"/>
+            <a:off x="1990287" y="4365104"/>
+            <a:ext cx="1141553" cy="288032"/>
           </a:xfrm>
           <a:prstGeom prst="borderCallout1">
             <a:avLst>
-              <a:gd name="adj1" fmla="val 50496"/>
-              <a:gd name="adj2" fmla="val 100338"/>
-              <a:gd name="adj3" fmla="val 53187"/>
-              <a:gd name="adj4" fmla="val 132572"/>
+              <a:gd name="adj1" fmla="val 44544"/>
+              <a:gd name="adj2" fmla="val 98811"/>
+              <a:gd name="adj3" fmla="val 46142"/>
+              <a:gd name="adj4" fmla="val 124961"/>
             </a:avLst>
           </a:prstGeom>
           <a:noFill/>
@@ -3349,29 +3346,106 @@
                   <a:srgbClr val="FF0000"/>
                 </a:solidFill>
               </a:rPr>
-              <a:t>点击下载</a:t>
-            </a:r>
-            <a:r>
-              <a:rPr lang="en-US" altLang="zh-CN" sz="1200" dirty="0" smtClean="0">
-                <a:solidFill>
-                  <a:srgbClr val="FF0000"/>
-                </a:solidFill>
-              </a:rPr>
-              <a:t>PDF</a:t>
-            </a:r>
+              <a:t>下载结果</a:t>
+            </a:r>
+            <a:endParaRPr lang="zh-CN" altLang="en-US" sz="1200" dirty="0">
+              <a:solidFill>
+                <a:srgbClr val="FF0000"/>
+              </a:solidFill>
+            </a:endParaRPr>
+          </a:p>
+        </p:txBody>
+      </p:sp>
+      <p:sp>
+        <p:nvSpPr>
+          <p:cNvPr id="19" name="线形标注 1 18"/>
+          <p:cNvSpPr/>
+          <p:nvPr/>
+        </p:nvSpPr>
+        <p:spPr>
+          <a:xfrm>
+            <a:off x="1990286" y="4869160"/>
+            <a:ext cx="1141553" cy="288032"/>
+          </a:xfrm>
+          <a:prstGeom prst="borderCallout1">
+            <a:avLst>
+              <a:gd name="adj1" fmla="val 44544"/>
+              <a:gd name="adj2" fmla="val 98811"/>
+              <a:gd name="adj3" fmla="val 46142"/>
+              <a:gd name="adj4" fmla="val 124961"/>
+            </a:avLst>
+          </a:prstGeom>
+          <a:noFill/>
+          <a:ln>
+            <a:solidFill>
+              <a:srgbClr val="FF0000"/>
+            </a:solidFill>
+          </a:ln>
+        </p:spPr>
+        <p:style>
+          <a:lnRef idx="2">
+            <a:schemeClr val="accent1">
+              <a:shade val="50000"/>
+            </a:schemeClr>
+          </a:lnRef>
+          <a:fillRef idx="1">
+            <a:schemeClr val="accent1"/>
+          </a:fillRef>
+          <a:effectRef idx="0">
+            <a:schemeClr val="accent1"/>
+          </a:effectRef>
+          <a:fontRef idx="minor">
+            <a:schemeClr val="lt1"/>
+          </a:fontRef>
+        </p:style>
+        <p:txBody>
+          <a:bodyPr rtlCol="0" anchor="ctr"/>
+          <a:lstStyle/>
+          <a:p>
+            <a:pPr algn="ctr"/>
             <a:r>
               <a:rPr lang="zh-CN" altLang="en-US" sz="1200" dirty="0" smtClean="0">
                 <a:solidFill>
                   <a:srgbClr val="FF0000"/>
                 </a:solidFill>
               </a:rPr>
-              <a:t>图片</a:t>
+              <a:t>下载图片</a:t>
             </a:r>
             <a:endParaRPr lang="zh-CN" altLang="en-US" sz="1200" dirty="0">
               <a:solidFill>
                 <a:srgbClr val="FF0000"/>
               </a:solidFill>
             </a:endParaRPr>
+          </a:p>
+        </p:txBody>
+      </p:sp>
+      <p:sp>
+        <p:nvSpPr>
+          <p:cNvPr id="4" name="TextBox 3"/>
+          <p:cNvSpPr txBox="1"/>
+          <p:nvPr/>
+        </p:nvSpPr>
+        <p:spPr>
+          <a:xfrm>
+            <a:off x="3131840" y="1581110"/>
+            <a:ext cx="1800200" cy="338554"/>
+          </a:xfrm>
+          <a:prstGeom prst="rect">
+            <a:avLst/>
+          </a:prstGeom>
+          <a:noFill/>
+        </p:spPr>
+        <p:txBody>
+          <a:bodyPr wrap="square" rtlCol="0">
+            <a:spAutoFit/>
+          </a:bodyPr>
+          <a:lstStyle/>
+          <a:p>
+            <a:r>
+              <a:rPr lang="zh-CN" altLang="en-US" sz="1600" b="1" dirty="0" smtClean="0"/>
+              <a:t>相关性分析</a:t>
+            </a:r>
+            <a:endParaRPr lang="zh-CN" altLang="en-US" sz="1600" b="1" dirty="0"/>
           </a:p>
         </p:txBody>
       </p:sp>
@@ -3407,7 +3481,7 @@
       </p:grpSpPr>
       <p:pic>
         <p:nvPicPr>
-          <p:cNvPr id="2" name="图片 1"/>
+          <p:cNvPr id="4" name="图片 3"/>
           <p:cNvPicPr>
             <a:picLocks noChangeAspect="1"/>
           </p:cNvPicPr>
@@ -3427,44 +3501,14 @@
         </p:blipFill>
         <p:spPr>
           <a:xfrm>
-            <a:off x="2051720" y="66338"/>
-            <a:ext cx="4127712" cy="3429176"/>
+            <a:off x="34013" y="-28575"/>
+            <a:ext cx="6966308" cy="6845652"/>
           </a:xfrm>
           <a:prstGeom prst="rect">
             <a:avLst/>
           </a:prstGeom>
         </p:spPr>
       </p:pic>
-      <p:pic>
-        <p:nvPicPr>
-          <p:cNvPr id="3" name="图片 2"/>
-          <p:cNvPicPr>
-            <a:picLocks noChangeAspect="1"/>
-          </p:cNvPicPr>
-          <p:nvPr/>
-        </p:nvPicPr>
-        <p:blipFill>
-          <a:blip r:embed="rId3">
-            <a:extLst>
-              <a:ext uri="{28A0092B-C50C-407E-A947-70E740481C1C}">
-                <a14:useLocalDpi xmlns:a14="http://schemas.microsoft.com/office/drawing/2010/main" val="0"/>
-              </a:ext>
-            </a:extLst>
-          </a:blip>
-          <a:stretch>
-            <a:fillRect/>
-          </a:stretch>
-        </p:blipFill>
-        <p:spPr>
-          <a:xfrm>
-            <a:off x="2123728" y="3495514"/>
-            <a:ext cx="4115011" cy="3333921"/>
-          </a:xfrm>
-          <a:prstGeom prst="rect">
-            <a:avLst/>
-          </a:prstGeom>
-        </p:spPr>
-      </p:pic>
       <p:sp>
         <p:nvSpPr>
           <p:cNvPr id="5" name="线形标注 1 4"/>
@@ -3473,15 +3517,92 @@
         </p:nvSpPr>
         <p:spPr>
           <a:xfrm>
-            <a:off x="6372200" y="589044"/>
+            <a:off x="7080810" y="404664"/>
             <a:ext cx="936104" cy="288032"/>
           </a:xfrm>
           <a:prstGeom prst="borderCallout1">
             <a:avLst>
               <a:gd name="adj1" fmla="val 50496"/>
               <a:gd name="adj2" fmla="val -529"/>
-              <a:gd name="adj3" fmla="val 89379"/>
-              <a:gd name="adj4" fmla="val -67293"/>
+              <a:gd name="adj3" fmla="val 81442"/>
+              <a:gd name="adj4" fmla="val -50199"/>
+            </a:avLst>
+          </a:prstGeom>
+          <a:noFill/>
+          <a:ln>
+            <a:solidFill>
+              <a:srgbClr val="0070C0"/>
+            </a:solidFill>
+          </a:ln>
+        </p:spPr>
+        <p:style>
+          <a:lnRef idx="2">
+            <a:schemeClr val="accent1">
+              <a:shade val="50000"/>
+            </a:schemeClr>
+          </a:lnRef>
+          <a:fillRef idx="1">
+            <a:schemeClr val="accent1"/>
+          </a:fillRef>
+          <a:effectRef idx="0">
+            <a:schemeClr val="accent1"/>
+          </a:effectRef>
+          <a:fontRef idx="minor">
+            <a:schemeClr val="lt1"/>
+          </a:fontRef>
+        </p:style>
+        <p:txBody>
+          <a:bodyPr rtlCol="0" anchor="ctr"/>
+          <a:lstStyle/>
+          <a:p>
+            <a:pPr algn="ctr"/>
+            <a:r>
+              <a:rPr lang="en-US" altLang="zh-CN" sz="1200" b="1" i="1" dirty="0">
+                <a:solidFill>
+                  <a:srgbClr val="FF0000"/>
+                </a:solidFill>
+                <a:latin typeface="+mj-ea"/>
+                <a:ea typeface="+mj-ea"/>
+              </a:rPr>
+              <a:t>P</a:t>
+            </a:r>
+            <a:r>
+              <a:rPr lang="zh-CN" altLang="en-US" sz="1200" b="1" dirty="0" smtClean="0">
+                <a:solidFill>
+                  <a:srgbClr val="FF0000"/>
+                </a:solidFill>
+                <a:latin typeface="+mj-ea"/>
+                <a:ea typeface="+mj-ea"/>
+              </a:rPr>
+              <a:t>值</a:t>
+            </a:r>
+            <a:endParaRPr lang="zh-CN" altLang="en-US" sz="1200" b="1" dirty="0">
+              <a:solidFill>
+                <a:srgbClr val="FF0000"/>
+              </a:solidFill>
+              <a:latin typeface="+mj-ea"/>
+              <a:ea typeface="+mj-ea"/>
+            </a:endParaRPr>
+          </a:p>
+        </p:txBody>
+      </p:sp>
+      <p:sp>
+        <p:nvSpPr>
+          <p:cNvPr id="6" name="线形标注 1 5"/>
+          <p:cNvSpPr/>
+          <p:nvPr/>
+        </p:nvSpPr>
+        <p:spPr>
+          <a:xfrm>
+            <a:off x="7092280" y="1052736"/>
+            <a:ext cx="936104" cy="288032"/>
+          </a:xfrm>
+          <a:prstGeom prst="borderCallout1">
+            <a:avLst>
+              <a:gd name="adj1" fmla="val 47045"/>
+              <a:gd name="adj2" fmla="val -528"/>
+              <a:gd name="adj3" fmla="val -17248"/>
+              <a:gd name="adj4" fmla="val -116186"/>
             </a:avLst>
           </a:prstGeom>
           <a:noFill/>
@@ -3513,78 +3634,7 @@
           <a:p>
             <a:pPr algn="ctr"/>
             <a:r>
-              <a:rPr lang="en-US" altLang="zh-CN" sz="1200" dirty="0">
-                <a:solidFill>
-                  <a:srgbClr val="FF0000"/>
-                </a:solidFill>
-              </a:rPr>
-              <a:t>P</a:t>
-            </a:r>
-            <a:r>
-              <a:rPr lang="zh-CN" altLang="en-US" sz="1200" dirty="0" smtClean="0">
-                <a:solidFill>
-                  <a:srgbClr val="FF0000"/>
-                </a:solidFill>
-              </a:rPr>
-              <a:t>值</a:t>
-            </a:r>
-            <a:endParaRPr lang="zh-CN" altLang="en-US" sz="1200" dirty="0">
-              <a:solidFill>
-                <a:srgbClr val="FF0000"/>
-              </a:solidFill>
-            </a:endParaRPr>
-          </a:p>
-        </p:txBody>
-      </p:sp>
-      <p:sp>
-        <p:nvSpPr>
-          <p:cNvPr id="6" name="线形标注 1 5"/>
-          <p:cNvSpPr/>
-          <p:nvPr/>
-        </p:nvSpPr>
-        <p:spPr>
-          <a:xfrm>
-            <a:off x="6372200" y="1124744"/>
-            <a:ext cx="936104" cy="288032"/>
-          </a:xfrm>
-          <a:prstGeom prst="borderCallout1">
-            <a:avLst>
-              <a:gd name="adj1" fmla="val 47045"/>
-              <a:gd name="adj2" fmla="val -528"/>
-              <a:gd name="adj3" fmla="val 6562"/>
-              <a:gd name="adj4" fmla="val -83219"/>
-            </a:avLst>
-          </a:prstGeom>
-          <a:noFill/>
-          <a:ln>
-            <a:solidFill>
-              <a:srgbClr val="FF0000"/>
-            </a:solidFill>
-          </a:ln>
-        </p:spPr>
-        <p:style>
-          <a:lnRef idx="2">
-            <a:schemeClr val="accent1">
-              <a:shade val="50000"/>
-            </a:schemeClr>
-          </a:lnRef>
-          <a:fillRef idx="1">
-            <a:schemeClr val="accent1"/>
-          </a:fillRef>
-          <a:effectRef idx="0">
-            <a:schemeClr val="accent1"/>
-          </a:effectRef>
-          <a:fontRef idx="minor">
-            <a:schemeClr val="lt1"/>
-          </a:fontRef>
-        </p:style>
-        <p:txBody>
-          <a:bodyPr rtlCol="0" anchor="ctr"/>
-          <a:lstStyle/>
-          <a:p>
-            <a:pPr algn="ctr"/>
-            <a:r>
-              <a:rPr lang="zh-CN" altLang="en-US" sz="1200" dirty="0">
+              <a:rPr lang="zh-CN" altLang="en-US" sz="1200" b="1" dirty="0">
                 <a:solidFill>
                   <a:srgbClr val="FF0000"/>
                 </a:solidFill>
